--- a/Office Docs/11 How to save information in files.pptx
+++ b/Office Docs/11 How to save information in files.pptx
@@ -5,28 +5,31 @@
     <p:sldMasterId id="2147483660" r:id="rId4"/>
   </p:sldMasterIdLst>
   <p:notesMasterIdLst>
-    <p:notesMasterId r:id="rId24"/>
+    <p:notesMasterId r:id="rId27"/>
   </p:notesMasterIdLst>
   <p:sldIdLst>
     <p:sldId id="256" r:id="rId5"/>
     <p:sldId id="257" r:id="rId6"/>
     <p:sldId id="270" r:id="rId7"/>
-    <p:sldId id="271" r:id="rId8"/>
-    <p:sldId id="259" r:id="rId9"/>
-    <p:sldId id="260" r:id="rId10"/>
-    <p:sldId id="261" r:id="rId11"/>
-    <p:sldId id="262" r:id="rId12"/>
-    <p:sldId id="264" r:id="rId13"/>
-    <p:sldId id="278" r:id="rId14"/>
-    <p:sldId id="273" r:id="rId15"/>
-    <p:sldId id="274" r:id="rId16"/>
-    <p:sldId id="265" r:id="rId17"/>
-    <p:sldId id="279" r:id="rId18"/>
-    <p:sldId id="267" r:id="rId19"/>
-    <p:sldId id="269" r:id="rId20"/>
-    <p:sldId id="275" r:id="rId21"/>
-    <p:sldId id="276" r:id="rId22"/>
-    <p:sldId id="277" r:id="rId23"/>
+    <p:sldId id="280" r:id="rId8"/>
+    <p:sldId id="271" r:id="rId9"/>
+    <p:sldId id="259" r:id="rId10"/>
+    <p:sldId id="260" r:id="rId11"/>
+    <p:sldId id="261" r:id="rId12"/>
+    <p:sldId id="262" r:id="rId13"/>
+    <p:sldId id="264" r:id="rId14"/>
+    <p:sldId id="278" r:id="rId15"/>
+    <p:sldId id="281" r:id="rId16"/>
+    <p:sldId id="273" r:id="rId17"/>
+    <p:sldId id="274" r:id="rId18"/>
+    <p:sldId id="265" r:id="rId19"/>
+    <p:sldId id="279" r:id="rId20"/>
+    <p:sldId id="282" r:id="rId21"/>
+    <p:sldId id="267" r:id="rId22"/>
+    <p:sldId id="269" r:id="rId23"/>
+    <p:sldId id="275" r:id="rId24"/>
+    <p:sldId id="276" r:id="rId25"/>
+    <p:sldId id="277" r:id="rId26"/>
   </p:sldIdLst>
   <p:sldSz cx="12192000" cy="6858000"/>
   <p:notesSz cx="6858000" cy="9144000"/>
@@ -234,7 +237,7 @@
           <a:p>
             <a:fld id="{F84487A8-29BF-4C20-9C31-CCD44401EAE9}" type="datetimeFigureOut">
               <a:rPr lang="en-CA" smtClean="0"/>
-              <a:t>2014-09-18</a:t>
+              <a:t>2014-09-24</a:t>
             </a:fld>
             <a:endParaRPr lang="en-CA"/>
           </a:p>
@@ -649,7 +652,7 @@
           <a:p>
             <a:fld id="{338A4D85-E449-4E7F-8A74-66A26455A406}" type="slidenum">
               <a:rPr lang="en-CA" smtClean="0"/>
-              <a:t>6</a:t>
+              <a:t>7</a:t>
             </a:fld>
             <a:endParaRPr lang="en-CA"/>
           </a:p>
@@ -766,7 +769,7 @@
           <a:p>
             <a:fld id="{338A4D85-E449-4E7F-8A74-66A26455A406}" type="slidenum">
               <a:rPr lang="en-CA" smtClean="0"/>
-              <a:t>8</a:t>
+              <a:t>9</a:t>
             </a:fld>
             <a:endParaRPr lang="en-CA"/>
           </a:p>
@@ -883,7 +886,7 @@
           <a:p>
             <a:fld id="{338A4D85-E449-4E7F-8A74-66A26455A406}" type="slidenum">
               <a:rPr lang="en-CA" smtClean="0"/>
-              <a:t>9</a:t>
+              <a:t>10</a:t>
             </a:fld>
             <a:endParaRPr lang="en-CA"/>
           </a:p>
@@ -1000,7 +1003,7 @@
           <a:p>
             <a:fld id="{338A4D85-E449-4E7F-8A74-66A26455A406}" type="slidenum">
               <a:rPr lang="en-CA" smtClean="0"/>
-              <a:t>11</a:t>
+              <a:t>13</a:t>
             </a:fld>
             <a:endParaRPr lang="en-CA"/>
           </a:p>
@@ -1117,7 +1120,7 @@
           <a:p>
             <a:fld id="{338A4D85-E449-4E7F-8A74-66A26455A406}" type="slidenum">
               <a:rPr lang="en-CA" smtClean="0"/>
-              <a:t>13</a:t>
+              <a:t>15</a:t>
             </a:fld>
             <a:endParaRPr lang="en-CA"/>
           </a:p>
@@ -1201,7 +1204,7 @@
           <a:p>
             <a:fld id="{338A4D85-E449-4E7F-8A74-66A26455A406}" type="slidenum">
               <a:rPr lang="en-CA" smtClean="0"/>
-              <a:t>15</a:t>
+              <a:t>18</a:t>
             </a:fld>
             <a:endParaRPr lang="en-CA"/>
           </a:p>
@@ -1285,7 +1288,7 @@
           <a:p>
             <a:fld id="{338A4D85-E449-4E7F-8A74-66A26455A406}" type="slidenum">
               <a:rPr lang="en-CA" smtClean="0"/>
-              <a:t>16</a:t>
+              <a:t>19</a:t>
             </a:fld>
             <a:endParaRPr lang="en-CA"/>
           </a:p>
@@ -1369,7 +1372,7 @@
           <a:p>
             <a:fld id="{338A4D85-E449-4E7F-8A74-66A26455A406}" type="slidenum">
               <a:rPr lang="en-CA" smtClean="0"/>
-              <a:t>17</a:t>
+              <a:t>20</a:t>
             </a:fld>
             <a:endParaRPr lang="en-CA"/>
           </a:p>
@@ -4094,6 +4097,405 @@
       </p:grpSpPr>
       <p:sp>
         <p:nvSpPr>
+          <p:cNvPr id="2" name="Title 1"/>
+          <p:cNvSpPr>
+            <a:spLocks noGrp="1"/>
+          </p:cNvSpPr>
+          <p:nvPr>
+            <p:ph type="title"/>
+          </p:nvPr>
+        </p:nvSpPr>
+        <p:spPr/>
+        <p:txBody>
+          <a:bodyPr>
+            <a:normAutofit/>
+          </a:bodyPr>
+          <a:lstStyle/>
+          <a:p>
+            <a:r>
+              <a:rPr lang="en-CA" sz="3700" dirty="0" smtClean="0">
+                <a:cs typeface="Consolas" panose="020B0609020204030204" pitchFamily="49" charset="0"/>
+              </a:rPr>
+              <a:t>So how does that look when we put it all together?</a:t>
+            </a:r>
+            <a:endParaRPr lang="en-CA" sz="3700" dirty="0"/>
+          </a:p>
+        </p:txBody>
+      </p:sp>
+      <p:sp>
+        <p:nvSpPr>
+          <p:cNvPr id="3" name="Content Placeholder 2"/>
+          <p:cNvSpPr>
+            <a:spLocks noGrp="1"/>
+          </p:cNvSpPr>
+          <p:nvPr>
+            <p:ph sz="quarter" idx="10"/>
+          </p:nvPr>
+        </p:nvSpPr>
+        <p:spPr/>
+        <p:txBody>
+          <a:bodyPr/>
+          <a:lstStyle/>
+          <a:p>
+            <a:pPr marL="0" lvl="0" indent="0" defTabSz="914400" eaLnBrk="0" fontAlgn="base" hangingPunct="0">
+              <a:spcBef>
+                <a:spcPct val="0"/>
+              </a:spcBef>
+              <a:spcAft>
+                <a:spcPct val="0"/>
+              </a:spcAft>
+              <a:buNone/>
+            </a:pPr>
+            <a:r>
+              <a:rPr lang="en-US" altLang="en-US" dirty="0" err="1" smtClean="0">
+                <a:solidFill>
+                  <a:srgbClr val="000000"/>
+                </a:solidFill>
+                <a:latin typeface="Consolas" panose="020B0609020204030204" pitchFamily="49" charset="0"/>
+                <a:cs typeface="Consolas" panose="020B0609020204030204" pitchFamily="49" charset="0"/>
+              </a:rPr>
+              <a:t>fileName</a:t>
+            </a:r>
+            <a:r>
+              <a:rPr lang="en-US" altLang="en-US" dirty="0">
+                <a:solidFill>
+                  <a:srgbClr val="000000"/>
+                </a:solidFill>
+                <a:latin typeface="Consolas" panose="020B0609020204030204" pitchFamily="49" charset="0"/>
+                <a:cs typeface="Consolas" panose="020B0609020204030204" pitchFamily="49" charset="0"/>
+              </a:rPr>
+              <a:t> = </a:t>
+            </a:r>
+            <a:r>
+              <a:rPr lang="en-US" altLang="en-US" dirty="0">
+                <a:solidFill>
+                  <a:srgbClr val="A31515"/>
+                </a:solidFill>
+                <a:latin typeface="Consolas" panose="020B0609020204030204" pitchFamily="49" charset="0"/>
+                <a:cs typeface="Consolas" panose="020B0609020204030204" pitchFamily="49" charset="0"/>
+              </a:rPr>
+              <a:t>"GuestList.txt"</a:t>
+            </a:r>
+            <a:r>
+              <a:rPr lang="en-US" altLang="en-US" dirty="0">
+                <a:solidFill>
+                  <a:srgbClr val="000000"/>
+                </a:solidFill>
+                <a:latin typeface="Consolas" panose="020B0609020204030204" pitchFamily="49" charset="0"/>
+                <a:cs typeface="Consolas" panose="020B0609020204030204" pitchFamily="49" charset="0"/>
+              </a:rPr>
+              <a:t> </a:t>
+            </a:r>
+          </a:p>
+          <a:p>
+            <a:pPr marL="0" lvl="0" indent="0" defTabSz="914400" eaLnBrk="0" fontAlgn="base" hangingPunct="0">
+              <a:spcBef>
+                <a:spcPct val="0"/>
+              </a:spcBef>
+              <a:spcAft>
+                <a:spcPct val="0"/>
+              </a:spcAft>
+              <a:buNone/>
+            </a:pPr>
+            <a:r>
+              <a:rPr lang="en-US" altLang="en-US" dirty="0" err="1">
+                <a:solidFill>
+                  <a:srgbClr val="000000"/>
+                </a:solidFill>
+                <a:latin typeface="Consolas" panose="020B0609020204030204" pitchFamily="49" charset="0"/>
+                <a:cs typeface="Consolas" panose="020B0609020204030204" pitchFamily="49" charset="0"/>
+              </a:rPr>
+              <a:t>accessMode</a:t>
+            </a:r>
+            <a:r>
+              <a:rPr lang="en-US" altLang="en-US" dirty="0">
+                <a:solidFill>
+                  <a:srgbClr val="000000"/>
+                </a:solidFill>
+                <a:latin typeface="Consolas" panose="020B0609020204030204" pitchFamily="49" charset="0"/>
+                <a:cs typeface="Consolas" panose="020B0609020204030204" pitchFamily="49" charset="0"/>
+              </a:rPr>
+              <a:t> = </a:t>
+            </a:r>
+            <a:r>
+              <a:rPr lang="en-US" altLang="en-US" dirty="0">
+                <a:solidFill>
+                  <a:srgbClr val="A31515"/>
+                </a:solidFill>
+                <a:latin typeface="Consolas" panose="020B0609020204030204" pitchFamily="49" charset="0"/>
+                <a:cs typeface="Consolas" panose="020B0609020204030204" pitchFamily="49" charset="0"/>
+              </a:rPr>
+              <a:t>"w"</a:t>
+            </a:r>
+            <a:r>
+              <a:rPr lang="en-US" altLang="en-US" dirty="0">
+                <a:solidFill>
+                  <a:srgbClr val="000000"/>
+                </a:solidFill>
+                <a:latin typeface="Consolas" panose="020B0609020204030204" pitchFamily="49" charset="0"/>
+                <a:cs typeface="Consolas" panose="020B0609020204030204" pitchFamily="49" charset="0"/>
+              </a:rPr>
+              <a:t> </a:t>
+            </a:r>
+          </a:p>
+          <a:p>
+            <a:pPr marL="0" lvl="0" indent="0" defTabSz="914400" eaLnBrk="0" fontAlgn="base" hangingPunct="0">
+              <a:spcBef>
+                <a:spcPct val="0"/>
+              </a:spcBef>
+              <a:spcAft>
+                <a:spcPct val="0"/>
+              </a:spcAft>
+              <a:buNone/>
+            </a:pPr>
+            <a:r>
+              <a:rPr lang="en-US" altLang="en-US" dirty="0" err="1">
+                <a:solidFill>
+                  <a:srgbClr val="000000"/>
+                </a:solidFill>
+                <a:latin typeface="Consolas" panose="020B0609020204030204" pitchFamily="49" charset="0"/>
+                <a:cs typeface="Consolas" panose="020B0609020204030204" pitchFamily="49" charset="0"/>
+              </a:rPr>
+              <a:t>myFile</a:t>
+            </a:r>
+            <a:r>
+              <a:rPr lang="en-US" altLang="en-US" dirty="0">
+                <a:solidFill>
+                  <a:srgbClr val="000000"/>
+                </a:solidFill>
+                <a:latin typeface="Consolas" panose="020B0609020204030204" pitchFamily="49" charset="0"/>
+                <a:cs typeface="Consolas" panose="020B0609020204030204" pitchFamily="49" charset="0"/>
+              </a:rPr>
+              <a:t> = open(</a:t>
+            </a:r>
+            <a:r>
+              <a:rPr lang="en-US" altLang="en-US" dirty="0" err="1">
+                <a:solidFill>
+                  <a:srgbClr val="000000"/>
+                </a:solidFill>
+                <a:latin typeface="Consolas" panose="020B0609020204030204" pitchFamily="49" charset="0"/>
+                <a:cs typeface="Consolas" panose="020B0609020204030204" pitchFamily="49" charset="0"/>
+              </a:rPr>
+              <a:t>fileName</a:t>
+            </a:r>
+            <a:r>
+              <a:rPr lang="en-US" altLang="en-US" dirty="0">
+                <a:solidFill>
+                  <a:srgbClr val="000000"/>
+                </a:solidFill>
+                <a:latin typeface="Consolas" panose="020B0609020204030204" pitchFamily="49" charset="0"/>
+                <a:cs typeface="Consolas" panose="020B0609020204030204" pitchFamily="49" charset="0"/>
+              </a:rPr>
+              <a:t>, </a:t>
+            </a:r>
+            <a:r>
+              <a:rPr lang="en-US" altLang="en-US" dirty="0" err="1">
+                <a:solidFill>
+                  <a:srgbClr val="000000"/>
+                </a:solidFill>
+                <a:latin typeface="Consolas" panose="020B0609020204030204" pitchFamily="49" charset="0"/>
+                <a:cs typeface="Consolas" panose="020B0609020204030204" pitchFamily="49" charset="0"/>
+              </a:rPr>
+              <a:t>accessMode</a:t>
+            </a:r>
+            <a:r>
+              <a:rPr lang="en-US" altLang="en-US" dirty="0">
+                <a:solidFill>
+                  <a:srgbClr val="000000"/>
+                </a:solidFill>
+                <a:latin typeface="Consolas" panose="020B0609020204030204" pitchFamily="49" charset="0"/>
+                <a:cs typeface="Consolas" panose="020B0609020204030204" pitchFamily="49" charset="0"/>
+              </a:rPr>
+              <a:t>)</a:t>
+            </a:r>
+            <a:endParaRPr lang="en-US" altLang="en-US" sz="6600" dirty="0">
+              <a:latin typeface="Arial" panose="020B0604020202020204" pitchFamily="34" charset="0"/>
+            </a:endParaRPr>
+          </a:p>
+          <a:p>
+            <a:pPr marL="0" indent="0">
+              <a:buNone/>
+            </a:pPr>
+            <a:endParaRPr lang="en-CA" dirty="0" smtClean="0"/>
+          </a:p>
+        </p:txBody>
+      </p:sp>
+    </p:spTree>
+    <p:extLst>
+      <p:ext uri="{BB962C8B-B14F-4D97-AF65-F5344CB8AC3E}">
+        <p14:creationId xmlns:p14="http://schemas.microsoft.com/office/powerpoint/2010/main" val="1375660541"/>
+      </p:ext>
+    </p:extLst>
+  </p:cSld>
+  <p:clrMapOvr>
+    <a:masterClrMapping/>
+  </p:clrMapOvr>
+  <p:timing>
+    <p:tnLst>
+      <p:par>
+        <p:cTn id="1" dur="indefinite" restart="never" nodeType="tmRoot">
+          <p:childTnLst>
+            <p:seq concurrent="1" nextAc="seek">
+              <p:cTn id="2" dur="indefinite" nodeType="mainSeq">
+                <p:childTnLst>
+                  <p:par>
+                    <p:cTn id="3" fill="hold">
+                      <p:stCondLst>
+                        <p:cond delay="indefinite"/>
+                      </p:stCondLst>
+                      <p:childTnLst>
+                        <p:par>
+                          <p:cTn id="4" fill="hold">
+                            <p:stCondLst>
+                              <p:cond delay="0"/>
+                            </p:stCondLst>
+                            <p:childTnLst>
+                              <p:par>
+                                <p:cTn id="5" presetID="1" presetClass="entr" presetSubtype="0" fill="hold" grpId="0" nodeType="clickEffect">
+                                  <p:stCondLst>
+                                    <p:cond delay="0"/>
+                                  </p:stCondLst>
+                                  <p:childTnLst>
+                                    <p:set>
+                                      <p:cBhvr>
+                                        <p:cTn id="6" dur="1" fill="hold">
+                                          <p:stCondLst>
+                                            <p:cond delay="0"/>
+                                          </p:stCondLst>
+                                        </p:cTn>
+                                        <p:tgtEl>
+                                          <p:spTgt spid="3">
+                                            <p:txEl>
+                                              <p:pRg st="0" end="0"/>
+                                            </p:txEl>
+                                          </p:spTgt>
+                                        </p:tgtEl>
+                                        <p:attrNameLst>
+                                          <p:attrName>style.visibility</p:attrName>
+                                        </p:attrNameLst>
+                                      </p:cBhvr>
+                                      <p:to>
+                                        <p:strVal val="visible"/>
+                                      </p:to>
+                                    </p:set>
+                                  </p:childTnLst>
+                                </p:cTn>
+                              </p:par>
+                              <p:par>
+                                <p:cTn id="7" presetID="1" presetClass="entr" presetSubtype="0" fill="hold" grpId="0" nodeType="withEffect">
+                                  <p:stCondLst>
+                                    <p:cond delay="0"/>
+                                  </p:stCondLst>
+                                  <p:childTnLst>
+                                    <p:set>
+                                      <p:cBhvr>
+                                        <p:cTn id="8" dur="1" fill="hold">
+                                          <p:stCondLst>
+                                            <p:cond delay="0"/>
+                                          </p:stCondLst>
+                                        </p:cTn>
+                                        <p:tgtEl>
+                                          <p:spTgt spid="3">
+                                            <p:txEl>
+                                              <p:pRg st="1" end="1"/>
+                                            </p:txEl>
+                                          </p:spTgt>
+                                        </p:tgtEl>
+                                        <p:attrNameLst>
+                                          <p:attrName>style.visibility</p:attrName>
+                                        </p:attrNameLst>
+                                      </p:cBhvr>
+                                      <p:to>
+                                        <p:strVal val="visible"/>
+                                      </p:to>
+                                    </p:set>
+                                  </p:childTnLst>
+                                </p:cTn>
+                              </p:par>
+                              <p:par>
+                                <p:cTn id="9" presetID="1" presetClass="entr" presetSubtype="0" fill="hold" grpId="0" nodeType="withEffect">
+                                  <p:stCondLst>
+                                    <p:cond delay="0"/>
+                                  </p:stCondLst>
+                                  <p:childTnLst>
+                                    <p:set>
+                                      <p:cBhvr>
+                                        <p:cTn id="10" dur="1" fill="hold">
+                                          <p:stCondLst>
+                                            <p:cond delay="0"/>
+                                          </p:stCondLst>
+                                        </p:cTn>
+                                        <p:tgtEl>
+                                          <p:spTgt spid="3">
+                                            <p:txEl>
+                                              <p:pRg st="2" end="2"/>
+                                            </p:txEl>
+                                          </p:spTgt>
+                                        </p:tgtEl>
+                                        <p:attrNameLst>
+                                          <p:attrName>style.visibility</p:attrName>
+                                        </p:attrNameLst>
+                                      </p:cBhvr>
+                                      <p:to>
+                                        <p:strVal val="visible"/>
+                                      </p:to>
+                                    </p:set>
+                                  </p:childTnLst>
+                                </p:cTn>
+                              </p:par>
+                            </p:childTnLst>
+                          </p:cTn>
+                        </p:par>
+                      </p:childTnLst>
+                    </p:cTn>
+                  </p:par>
+                </p:childTnLst>
+              </p:cTn>
+              <p:prevCondLst>
+                <p:cond evt="onPrev" delay="0">
+                  <p:tgtEl>
+                    <p:sldTgt/>
+                  </p:tgtEl>
+                </p:cond>
+              </p:prevCondLst>
+              <p:nextCondLst>
+                <p:cond evt="onNext" delay="0">
+                  <p:tgtEl>
+                    <p:sldTgt/>
+                  </p:tgtEl>
+                </p:cond>
+              </p:nextCondLst>
+            </p:seq>
+          </p:childTnLst>
+        </p:cTn>
+      </p:par>
+    </p:tnLst>
+    <p:bldLst>
+      <p:bldP spid="3" grpId="0" uiExpand="1" build="p"/>
+    </p:bldLst>
+  </p:timing>
+</p:sld>
+</file>
+
+<file path=ppt/slides/slide11.xml><?xml version="1.0" encoding="utf-8"?>
+<p:sld xmlns:a="http://schemas.openxmlformats.org/drawingml/2006/main" xmlns:r="http://schemas.openxmlformats.org/officeDocument/2006/relationships" xmlns:p="http://schemas.openxmlformats.org/presentationml/2006/main">
+  <p:cSld>
+    <p:spTree>
+      <p:nvGrpSpPr>
+        <p:cNvPr id="1" name=""/>
+        <p:cNvGrpSpPr/>
+        <p:nvPr/>
+      </p:nvGrpSpPr>
+      <p:grpSpPr>
+        <a:xfrm>
+          <a:off x="0" y="0"/>
+          <a:ext cx="0" cy="0"/>
+          <a:chOff x="0" y="0"/>
+          <a:chExt cx="0" cy="0"/>
+        </a:xfrm>
+      </p:grpSpPr>
+      <p:sp>
+        <p:nvSpPr>
           <p:cNvPr id="4" name="Title 3"/>
           <p:cNvSpPr>
             <a:spLocks noGrp="1"/>
@@ -4128,7 +4530,79 @@
 </p:sld>
 </file>
 
-<file path=ppt/slides/slide11.xml><?xml version="1.0" encoding="utf-8"?>
+<file path=ppt/slides/slide12.xml><?xml version="1.0" encoding="utf-8"?>
+<p:sld xmlns:a="http://schemas.openxmlformats.org/drawingml/2006/main" xmlns:r="http://schemas.openxmlformats.org/officeDocument/2006/relationships" xmlns:p="http://schemas.openxmlformats.org/presentationml/2006/main">
+  <p:cSld>
+    <p:spTree>
+      <p:nvGrpSpPr>
+        <p:cNvPr id="1" name=""/>
+        <p:cNvGrpSpPr/>
+        <p:nvPr/>
+      </p:nvGrpSpPr>
+      <p:grpSpPr>
+        <a:xfrm>
+          <a:off x="0" y="0"/>
+          <a:ext cx="0" cy="0"/>
+          <a:chOff x="0" y="0"/>
+          <a:chExt cx="0" cy="0"/>
+        </a:xfrm>
+      </p:grpSpPr>
+      <p:sp>
+        <p:nvSpPr>
+          <p:cNvPr id="4" name="Text Placeholder 3"/>
+          <p:cNvSpPr>
+            <a:spLocks noGrp="1"/>
+          </p:cNvSpPr>
+          <p:nvPr>
+            <p:ph type="body" sz="quarter" idx="10"/>
+          </p:nvPr>
+        </p:nvSpPr>
+        <p:spPr/>
+        <p:txBody>
+          <a:bodyPr/>
+          <a:lstStyle/>
+          <a:p>
+            <a:r>
+              <a:rPr lang="en-US" dirty="0" smtClean="0"/>
+              <a:t>Writing to files</a:t>
+            </a:r>
+            <a:endParaRPr lang="en-US" dirty="0"/>
+          </a:p>
+        </p:txBody>
+      </p:sp>
+      <p:sp>
+        <p:nvSpPr>
+          <p:cNvPr id="3" name="Subtitle 2"/>
+          <p:cNvSpPr>
+            <a:spLocks noGrp="1"/>
+          </p:cNvSpPr>
+          <p:nvPr>
+            <p:ph type="subTitle" idx="1"/>
+          </p:nvPr>
+        </p:nvSpPr>
+        <p:spPr/>
+        <p:txBody>
+          <a:bodyPr/>
+          <a:lstStyle/>
+          <a:p>
+            <a:endParaRPr lang="en-US"/>
+          </a:p>
+        </p:txBody>
+      </p:sp>
+    </p:spTree>
+    <p:extLst>
+      <p:ext uri="{BB962C8B-B14F-4D97-AF65-F5344CB8AC3E}">
+        <p14:creationId xmlns:p14="http://schemas.microsoft.com/office/powerpoint/2010/main" val="2571562231"/>
+      </p:ext>
+    </p:extLst>
+  </p:cSld>
+  <p:clrMapOvr>
+    <a:masterClrMapping/>
+  </p:clrMapOvr>
+</p:sld>
+</file>
+
+<file path=ppt/slides/slide13.xml><?xml version="1.0" encoding="utf-8"?>
 <p:sld xmlns:a="http://schemas.openxmlformats.org/drawingml/2006/main" xmlns:r="http://schemas.openxmlformats.org/officeDocument/2006/relationships" xmlns:p="http://schemas.openxmlformats.org/presentationml/2006/main">
   <p:cSld>
     <p:spTree>
@@ -4770,7 +5244,7 @@
 </p:sld>
 </file>
 
-<file path=ppt/slides/slide12.xml><?xml version="1.0" encoding="utf-8"?>
+<file path=ppt/slides/slide14.xml><?xml version="1.0" encoding="utf-8"?>
 <p:sld xmlns:a="http://schemas.openxmlformats.org/drawingml/2006/main" xmlns:r="http://schemas.openxmlformats.org/officeDocument/2006/relationships" xmlns:p="http://schemas.openxmlformats.org/presentationml/2006/main">
   <p:cSld>
     <p:spTree>
@@ -5507,7 +5981,7 @@
 </p:sld>
 </file>
 
-<file path=ppt/slides/slide13.xml><?xml version="1.0" encoding="utf-8"?>
+<file path=ppt/slides/slide15.xml><?xml version="1.0" encoding="utf-8"?>
 <p:sld xmlns:a="http://schemas.openxmlformats.org/drawingml/2006/main" xmlns:r="http://schemas.openxmlformats.org/officeDocument/2006/relationships" xmlns:p="http://schemas.openxmlformats.org/presentationml/2006/main">
   <p:cSld>
     <p:spTree>
@@ -6064,7 +6538,7 @@
 </p:sld>
 </file>
 
-<file path=ppt/slides/slide14.xml><?xml version="1.0" encoding="utf-8"?>
+<file path=ppt/slides/slide16.xml><?xml version="1.0" encoding="utf-8"?>
 <p:sld xmlns:a="http://schemas.openxmlformats.org/drawingml/2006/main" xmlns:r="http://schemas.openxmlformats.org/officeDocument/2006/relationships" xmlns:p="http://schemas.openxmlformats.org/presentationml/2006/main">
   <p:cSld>
     <p:spTree>
@@ -6117,7 +6591,79 @@
 </p:sld>
 </file>
 
-<file path=ppt/slides/slide15.xml><?xml version="1.0" encoding="utf-8"?>
+<file path=ppt/slides/slide17.xml><?xml version="1.0" encoding="utf-8"?>
+<p:sld xmlns:a="http://schemas.openxmlformats.org/drawingml/2006/main" xmlns:r="http://schemas.openxmlformats.org/officeDocument/2006/relationships" xmlns:p="http://schemas.openxmlformats.org/presentationml/2006/main">
+  <p:cSld>
+    <p:spTree>
+      <p:nvGrpSpPr>
+        <p:cNvPr id="1" name=""/>
+        <p:cNvGrpSpPr/>
+        <p:nvPr/>
+      </p:nvGrpSpPr>
+      <p:grpSpPr>
+        <a:xfrm>
+          <a:off x="0" y="0"/>
+          <a:ext cx="0" cy="0"/>
+          <a:chOff x="0" y="0"/>
+          <a:chExt cx="0" cy="0"/>
+        </a:xfrm>
+      </p:grpSpPr>
+      <p:sp>
+        <p:nvSpPr>
+          <p:cNvPr id="4" name="Text Placeholder 3"/>
+          <p:cNvSpPr>
+            <a:spLocks noGrp="1"/>
+          </p:cNvSpPr>
+          <p:nvPr>
+            <p:ph type="body" sz="quarter" idx="10"/>
+          </p:nvPr>
+        </p:nvSpPr>
+        <p:spPr/>
+        <p:txBody>
+          <a:bodyPr/>
+          <a:lstStyle/>
+          <a:p>
+            <a:r>
+              <a:rPr lang="en-US" smtClean="0"/>
+              <a:t>CSV files</a:t>
+            </a:r>
+            <a:endParaRPr lang="en-US"/>
+          </a:p>
+        </p:txBody>
+      </p:sp>
+      <p:sp>
+        <p:nvSpPr>
+          <p:cNvPr id="3" name="Subtitle 2"/>
+          <p:cNvSpPr>
+            <a:spLocks noGrp="1"/>
+          </p:cNvSpPr>
+          <p:nvPr>
+            <p:ph type="subTitle" idx="1"/>
+          </p:nvPr>
+        </p:nvSpPr>
+        <p:spPr/>
+        <p:txBody>
+          <a:bodyPr/>
+          <a:lstStyle/>
+          <a:p>
+            <a:endParaRPr lang="en-US"/>
+          </a:p>
+        </p:txBody>
+      </p:sp>
+    </p:spTree>
+    <p:extLst>
+      <p:ext uri="{BB962C8B-B14F-4D97-AF65-F5344CB8AC3E}">
+        <p14:creationId xmlns:p14="http://schemas.microsoft.com/office/powerpoint/2010/main" val="506875176"/>
+      </p:ext>
+    </p:extLst>
+  </p:cSld>
+  <p:clrMapOvr>
+    <a:masterClrMapping/>
+  </p:clrMapOvr>
+</p:sld>
+</file>
+
+<file path=ppt/slides/slide18.xml><?xml version="1.0" encoding="utf-8"?>
 <p:sld xmlns:a="http://schemas.openxmlformats.org/drawingml/2006/main" xmlns:r="http://schemas.openxmlformats.org/officeDocument/2006/relationships" xmlns:p="http://schemas.openxmlformats.org/presentationml/2006/main">
   <p:cSld>
     <p:spTree>
@@ -6465,7 +7011,7 @@
 </p:sld>
 </file>
 
-<file path=ppt/slides/slide16.xml><?xml version="1.0" encoding="utf-8"?>
+<file path=ppt/slides/slide19.xml><?xml version="1.0" encoding="utf-8"?>
 <p:sld xmlns:a="http://schemas.openxmlformats.org/drawingml/2006/main" xmlns:r="http://schemas.openxmlformats.org/officeDocument/2006/relationships" xmlns:p="http://schemas.openxmlformats.org/presentationml/2006/main">
   <p:cSld>
     <p:spTree>
@@ -6537,246 +7083,6 @@
     <p:extLst>
       <p:ext uri="{BB962C8B-B14F-4D97-AF65-F5344CB8AC3E}">
         <p14:creationId xmlns:p14="http://schemas.microsoft.com/office/powerpoint/2010/main" val="3723867411"/>
-      </p:ext>
-    </p:extLst>
-  </p:cSld>
-  <p:clrMapOvr>
-    <a:masterClrMapping/>
-  </p:clrMapOvr>
-  <p:timing>
-    <p:tnLst>
-      <p:par>
-        <p:cTn id="1" dur="indefinite" restart="never" nodeType="tmRoot"/>
-      </p:par>
-    </p:tnLst>
-  </p:timing>
-</p:sld>
-</file>
-
-<file path=ppt/slides/slide17.xml><?xml version="1.0" encoding="utf-8"?>
-<p:sld xmlns:a="http://schemas.openxmlformats.org/drawingml/2006/main" xmlns:r="http://schemas.openxmlformats.org/officeDocument/2006/relationships" xmlns:p="http://schemas.openxmlformats.org/presentationml/2006/main">
-  <p:cSld>
-    <p:spTree>
-      <p:nvGrpSpPr>
-        <p:cNvPr id="1" name=""/>
-        <p:cNvGrpSpPr/>
-        <p:nvPr/>
-      </p:nvGrpSpPr>
-      <p:grpSpPr>
-        <a:xfrm>
-          <a:off x="0" y="0"/>
-          <a:ext cx="0" cy="0"/>
-          <a:chOff x="0" y="0"/>
-          <a:chExt cx="0" cy="0"/>
-        </a:xfrm>
-      </p:grpSpPr>
-      <p:sp>
-        <p:nvSpPr>
-          <p:cNvPr id="2" name="Title 1"/>
-          <p:cNvSpPr>
-            <a:spLocks noGrp="1"/>
-          </p:cNvSpPr>
-          <p:nvPr>
-            <p:ph type="title"/>
-          </p:nvPr>
-        </p:nvSpPr>
-        <p:spPr/>
-        <p:txBody>
-          <a:bodyPr>
-            <a:normAutofit fontScale="90000"/>
-          </a:bodyPr>
-          <a:lstStyle/>
-          <a:p>
-            <a:r>
-              <a:rPr lang="en-CA" dirty="0" smtClean="0"/>
-              <a:t>Extra credit!  Ask your user to enter names and ages for 5 different guests, then save each name and age to your CSV file</a:t>
-            </a:r>
-            <a:endParaRPr lang="en-US" dirty="0"/>
-          </a:p>
-        </p:txBody>
-      </p:sp>
-      <p:pic>
-        <p:nvPicPr>
-          <p:cNvPr id="5" name="Content Placeholder 4"/>
-          <p:cNvPicPr>
-            <a:picLocks noGrp="1" noChangeAspect="1"/>
-          </p:cNvPicPr>
-          <p:nvPr>
-            <p:ph sz="quarter" idx="10"/>
-          </p:nvPr>
-        </p:nvPicPr>
-        <p:blipFill>
-          <a:blip r:embed="rId3"/>
-          <a:stretch>
-            <a:fillRect/>
-          </a:stretch>
-        </p:blipFill>
-        <p:spPr>
-          <a:xfrm>
-            <a:off x="2038393" y="1800400"/>
-            <a:ext cx="7524750" cy="4124325"/>
-          </a:xfrm>
-          <a:prstGeom prst="rect">
-            <a:avLst/>
-          </a:prstGeom>
-        </p:spPr>
-      </p:pic>
-    </p:spTree>
-    <p:extLst>
-      <p:ext uri="{BB962C8B-B14F-4D97-AF65-F5344CB8AC3E}">
-        <p14:creationId xmlns:p14="http://schemas.microsoft.com/office/powerpoint/2010/main" val="2509477372"/>
-      </p:ext>
-    </p:extLst>
-  </p:cSld>
-  <p:clrMapOvr>
-    <a:masterClrMapping/>
-  </p:clrMapOvr>
-  <p:timing>
-    <p:tnLst>
-      <p:par>
-        <p:cTn id="1" dur="indefinite" restart="never" nodeType="tmRoot"/>
-      </p:par>
-    </p:tnLst>
-  </p:timing>
-</p:sld>
-</file>
-
-<file path=ppt/slides/slide18.xml><?xml version="1.0" encoding="utf-8"?>
-<p:sld xmlns:a="http://schemas.openxmlformats.org/drawingml/2006/main" xmlns:r="http://schemas.openxmlformats.org/officeDocument/2006/relationships" xmlns:p="http://schemas.openxmlformats.org/presentationml/2006/main">
-  <p:cSld>
-    <p:spTree>
-      <p:nvGrpSpPr>
-        <p:cNvPr id="1" name=""/>
-        <p:cNvGrpSpPr/>
-        <p:nvPr/>
-      </p:nvGrpSpPr>
-      <p:grpSpPr>
-        <a:xfrm>
-          <a:off x="0" y="0"/>
-          <a:ext cx="0" cy="0"/>
-          <a:chOff x="0" y="0"/>
-          <a:chExt cx="0" cy="0"/>
-        </a:xfrm>
-      </p:grpSpPr>
-      <p:sp>
-        <p:nvSpPr>
-          <p:cNvPr id="4" name="Content Placeholder 3"/>
-          <p:cNvSpPr>
-            <a:spLocks noGrp="1"/>
-          </p:cNvSpPr>
-          <p:nvPr>
-            <p:ph sz="half" idx="2"/>
-          </p:nvPr>
-        </p:nvSpPr>
-        <p:spPr/>
-        <p:txBody>
-          <a:bodyPr/>
-          <a:lstStyle/>
-          <a:p>
-            <a:pPr marL="0" indent="0">
-              <a:buNone/>
-            </a:pPr>
-            <a:r>
-              <a:rPr lang="en-CA" dirty="0" smtClean="0"/>
-              <a:t>You can now write a program that will write information to a file so we can look it up later!</a:t>
-            </a:r>
-            <a:endParaRPr lang="en-US" dirty="0"/>
-          </a:p>
-        </p:txBody>
-      </p:sp>
-      <p:pic>
-        <p:nvPicPr>
-          <p:cNvPr id="6" name="Content Placeholder 5"/>
-          <p:cNvPicPr>
-            <a:picLocks noGrp="1" noChangeAspect="1"/>
-          </p:cNvPicPr>
-          <p:nvPr>
-            <p:ph sz="quarter" idx="4"/>
-          </p:nvPr>
-        </p:nvPicPr>
-        <p:blipFill>
-          <a:blip r:embed="rId2" cstate="print">
-            <a:extLst>
-              <a:ext uri="{28A0092B-C50C-407E-A947-70E740481C1C}">
-                <a14:useLocalDpi xmlns:a14="http://schemas.microsoft.com/office/drawing/2010/main" val="0"/>
-              </a:ext>
-            </a:extLst>
-          </a:blip>
-          <a:stretch>
-            <a:fillRect/>
-          </a:stretch>
-        </p:blipFill>
-        <p:spPr>
-          <a:xfrm>
-            <a:off x="7121780" y="1782305"/>
-            <a:ext cx="4285546" cy="3812583"/>
-          </a:xfrm>
-        </p:spPr>
-      </p:pic>
-      <p:sp>
-        <p:nvSpPr>
-          <p:cNvPr id="2" name="Title 1"/>
-          <p:cNvSpPr>
-            <a:spLocks noGrp="1"/>
-          </p:cNvSpPr>
-          <p:nvPr>
-            <p:ph type="title"/>
-          </p:nvPr>
-        </p:nvSpPr>
-        <p:spPr/>
-        <p:txBody>
-          <a:bodyPr/>
-          <a:lstStyle/>
-          <a:p>
-            <a:r>
-              <a:rPr lang="en-CA" dirty="0" smtClean="0"/>
-              <a:t>Congratulations!</a:t>
-            </a:r>
-            <a:endParaRPr lang="en-US" dirty="0"/>
-          </a:p>
-        </p:txBody>
-      </p:sp>
-    </p:spTree>
-    <p:extLst>
-      <p:ext uri="{BB962C8B-B14F-4D97-AF65-F5344CB8AC3E}">
-        <p14:creationId xmlns:p14="http://schemas.microsoft.com/office/powerpoint/2010/main" val="495231503"/>
-      </p:ext>
-    </p:extLst>
-  </p:cSld>
-  <p:clrMapOvr>
-    <a:masterClrMapping/>
-  </p:clrMapOvr>
-  <p:timing>
-    <p:tnLst>
-      <p:par>
-        <p:cTn id="1" dur="indefinite" restart="never" nodeType="tmRoot"/>
-      </p:par>
-    </p:tnLst>
-  </p:timing>
-</p:sld>
-</file>
-
-<file path=ppt/slides/slide19.xml><?xml version="1.0" encoding="utf-8"?>
-<p:sld xmlns:a="http://schemas.openxmlformats.org/drawingml/2006/main" xmlns:r="http://schemas.openxmlformats.org/officeDocument/2006/relationships" xmlns:p="http://schemas.openxmlformats.org/presentationml/2006/main">
-  <p:cSld>
-    <p:spTree>
-      <p:nvGrpSpPr>
-        <p:cNvPr id="1" name=""/>
-        <p:cNvGrpSpPr/>
-        <p:nvPr/>
-      </p:nvGrpSpPr>
-      <p:grpSpPr>
-        <a:xfrm>
-          <a:off x="0" y="0"/>
-          <a:ext cx="0" cy="0"/>
-          <a:chOff x="0" y="0"/>
-          <a:chExt cx="0" cy="0"/>
-        </a:xfrm>
-      </p:grpSpPr>
-    </p:spTree>
-    <p:extLst>
-      <p:ext uri="{BB962C8B-B14F-4D97-AF65-F5344CB8AC3E}">
-        <p14:creationId xmlns:p14="http://schemas.microsoft.com/office/powerpoint/2010/main" val="1138999448"/>
       </p:ext>
     </p:extLst>
   </p:cSld>
@@ -7080,6 +7386,246 @@
 </p:sld>
 </file>
 
+<file path=ppt/slides/slide20.xml><?xml version="1.0" encoding="utf-8"?>
+<p:sld xmlns:a="http://schemas.openxmlformats.org/drawingml/2006/main" xmlns:r="http://schemas.openxmlformats.org/officeDocument/2006/relationships" xmlns:p="http://schemas.openxmlformats.org/presentationml/2006/main">
+  <p:cSld>
+    <p:spTree>
+      <p:nvGrpSpPr>
+        <p:cNvPr id="1" name=""/>
+        <p:cNvGrpSpPr/>
+        <p:nvPr/>
+      </p:nvGrpSpPr>
+      <p:grpSpPr>
+        <a:xfrm>
+          <a:off x="0" y="0"/>
+          <a:ext cx="0" cy="0"/>
+          <a:chOff x="0" y="0"/>
+          <a:chExt cx="0" cy="0"/>
+        </a:xfrm>
+      </p:grpSpPr>
+      <p:sp>
+        <p:nvSpPr>
+          <p:cNvPr id="2" name="Title 1"/>
+          <p:cNvSpPr>
+            <a:spLocks noGrp="1"/>
+          </p:cNvSpPr>
+          <p:nvPr>
+            <p:ph type="title"/>
+          </p:nvPr>
+        </p:nvSpPr>
+        <p:spPr/>
+        <p:txBody>
+          <a:bodyPr>
+            <a:normAutofit fontScale="90000"/>
+          </a:bodyPr>
+          <a:lstStyle/>
+          <a:p>
+            <a:r>
+              <a:rPr lang="en-CA" dirty="0" smtClean="0"/>
+              <a:t>Extra credit!  Ask your user to enter names and ages for 5 different guests, then save each name and age to your CSV file</a:t>
+            </a:r>
+            <a:endParaRPr lang="en-US" dirty="0"/>
+          </a:p>
+        </p:txBody>
+      </p:sp>
+      <p:pic>
+        <p:nvPicPr>
+          <p:cNvPr id="5" name="Content Placeholder 4"/>
+          <p:cNvPicPr>
+            <a:picLocks noGrp="1" noChangeAspect="1"/>
+          </p:cNvPicPr>
+          <p:nvPr>
+            <p:ph sz="quarter" idx="10"/>
+          </p:nvPr>
+        </p:nvPicPr>
+        <p:blipFill>
+          <a:blip r:embed="rId3"/>
+          <a:stretch>
+            <a:fillRect/>
+          </a:stretch>
+        </p:blipFill>
+        <p:spPr>
+          <a:xfrm>
+            <a:off x="2038393" y="1800400"/>
+            <a:ext cx="7524750" cy="4124325"/>
+          </a:xfrm>
+          <a:prstGeom prst="rect">
+            <a:avLst/>
+          </a:prstGeom>
+        </p:spPr>
+      </p:pic>
+    </p:spTree>
+    <p:extLst>
+      <p:ext uri="{BB962C8B-B14F-4D97-AF65-F5344CB8AC3E}">
+        <p14:creationId xmlns:p14="http://schemas.microsoft.com/office/powerpoint/2010/main" val="2509477372"/>
+      </p:ext>
+    </p:extLst>
+  </p:cSld>
+  <p:clrMapOvr>
+    <a:masterClrMapping/>
+  </p:clrMapOvr>
+  <p:timing>
+    <p:tnLst>
+      <p:par>
+        <p:cTn id="1" dur="indefinite" restart="never" nodeType="tmRoot"/>
+      </p:par>
+    </p:tnLst>
+  </p:timing>
+</p:sld>
+</file>
+
+<file path=ppt/slides/slide21.xml><?xml version="1.0" encoding="utf-8"?>
+<p:sld xmlns:a="http://schemas.openxmlformats.org/drawingml/2006/main" xmlns:r="http://schemas.openxmlformats.org/officeDocument/2006/relationships" xmlns:p="http://schemas.openxmlformats.org/presentationml/2006/main">
+  <p:cSld>
+    <p:spTree>
+      <p:nvGrpSpPr>
+        <p:cNvPr id="1" name=""/>
+        <p:cNvGrpSpPr/>
+        <p:nvPr/>
+      </p:nvGrpSpPr>
+      <p:grpSpPr>
+        <a:xfrm>
+          <a:off x="0" y="0"/>
+          <a:ext cx="0" cy="0"/>
+          <a:chOff x="0" y="0"/>
+          <a:chExt cx="0" cy="0"/>
+        </a:xfrm>
+      </p:grpSpPr>
+      <p:sp>
+        <p:nvSpPr>
+          <p:cNvPr id="4" name="Content Placeholder 3"/>
+          <p:cNvSpPr>
+            <a:spLocks noGrp="1"/>
+          </p:cNvSpPr>
+          <p:nvPr>
+            <p:ph sz="half" idx="2"/>
+          </p:nvPr>
+        </p:nvSpPr>
+        <p:spPr/>
+        <p:txBody>
+          <a:bodyPr/>
+          <a:lstStyle/>
+          <a:p>
+            <a:pPr marL="0" indent="0">
+              <a:buNone/>
+            </a:pPr>
+            <a:r>
+              <a:rPr lang="en-CA" dirty="0" smtClean="0"/>
+              <a:t>You can now write a program that will write information to a file so we can look it up later!</a:t>
+            </a:r>
+            <a:endParaRPr lang="en-US" dirty="0"/>
+          </a:p>
+        </p:txBody>
+      </p:sp>
+      <p:pic>
+        <p:nvPicPr>
+          <p:cNvPr id="6" name="Content Placeholder 5"/>
+          <p:cNvPicPr>
+            <a:picLocks noGrp="1" noChangeAspect="1"/>
+          </p:cNvPicPr>
+          <p:nvPr>
+            <p:ph sz="quarter" idx="4"/>
+          </p:nvPr>
+        </p:nvPicPr>
+        <p:blipFill>
+          <a:blip r:embed="rId2" cstate="print">
+            <a:extLst>
+              <a:ext uri="{28A0092B-C50C-407E-A947-70E740481C1C}">
+                <a14:useLocalDpi xmlns:a14="http://schemas.microsoft.com/office/drawing/2010/main" val="0"/>
+              </a:ext>
+            </a:extLst>
+          </a:blip>
+          <a:stretch>
+            <a:fillRect/>
+          </a:stretch>
+        </p:blipFill>
+        <p:spPr>
+          <a:xfrm>
+            <a:off x="7121780" y="1782305"/>
+            <a:ext cx="4285546" cy="3812583"/>
+          </a:xfrm>
+        </p:spPr>
+      </p:pic>
+      <p:sp>
+        <p:nvSpPr>
+          <p:cNvPr id="2" name="Title 1"/>
+          <p:cNvSpPr>
+            <a:spLocks noGrp="1"/>
+          </p:cNvSpPr>
+          <p:nvPr>
+            <p:ph type="title"/>
+          </p:nvPr>
+        </p:nvSpPr>
+        <p:spPr/>
+        <p:txBody>
+          <a:bodyPr/>
+          <a:lstStyle/>
+          <a:p>
+            <a:r>
+              <a:rPr lang="en-CA" dirty="0" smtClean="0"/>
+              <a:t>Congratulations!</a:t>
+            </a:r>
+            <a:endParaRPr lang="en-US" dirty="0"/>
+          </a:p>
+        </p:txBody>
+      </p:sp>
+    </p:spTree>
+    <p:extLst>
+      <p:ext uri="{BB962C8B-B14F-4D97-AF65-F5344CB8AC3E}">
+        <p14:creationId xmlns:p14="http://schemas.microsoft.com/office/powerpoint/2010/main" val="495231503"/>
+      </p:ext>
+    </p:extLst>
+  </p:cSld>
+  <p:clrMapOvr>
+    <a:masterClrMapping/>
+  </p:clrMapOvr>
+  <p:timing>
+    <p:tnLst>
+      <p:par>
+        <p:cTn id="1" dur="indefinite" restart="never" nodeType="tmRoot"/>
+      </p:par>
+    </p:tnLst>
+  </p:timing>
+</p:sld>
+</file>
+
+<file path=ppt/slides/slide22.xml><?xml version="1.0" encoding="utf-8"?>
+<p:sld xmlns:a="http://schemas.openxmlformats.org/drawingml/2006/main" xmlns:r="http://schemas.openxmlformats.org/officeDocument/2006/relationships" xmlns:p="http://schemas.openxmlformats.org/presentationml/2006/main">
+  <p:cSld>
+    <p:spTree>
+      <p:nvGrpSpPr>
+        <p:cNvPr id="1" name=""/>
+        <p:cNvGrpSpPr/>
+        <p:nvPr/>
+      </p:nvGrpSpPr>
+      <p:grpSpPr>
+        <a:xfrm>
+          <a:off x="0" y="0"/>
+          <a:ext cx="0" cy="0"/>
+          <a:chOff x="0" y="0"/>
+          <a:chExt cx="0" cy="0"/>
+        </a:xfrm>
+      </p:grpSpPr>
+    </p:spTree>
+    <p:extLst>
+      <p:ext uri="{BB962C8B-B14F-4D97-AF65-F5344CB8AC3E}">
+        <p14:creationId xmlns:p14="http://schemas.microsoft.com/office/powerpoint/2010/main" val="1138999448"/>
+      </p:ext>
+    </p:extLst>
+  </p:cSld>
+  <p:clrMapOvr>
+    <a:masterClrMapping/>
+  </p:clrMapOvr>
+  <p:timing>
+    <p:tnLst>
+      <p:par>
+        <p:cTn id="1" dur="indefinite" restart="never" nodeType="tmRoot"/>
+      </p:par>
+    </p:tnLst>
+  </p:timing>
+</p:sld>
+</file>
+
 <file path=ppt/slides/slide3.xml><?xml version="1.0" encoding="utf-8"?>
 <p:sld xmlns:a="http://schemas.openxmlformats.org/drawingml/2006/main" xmlns:r="http://schemas.openxmlformats.org/officeDocument/2006/relationships" xmlns:p="http://schemas.openxmlformats.org/presentationml/2006/main">
   <p:cSld>
@@ -7317,6 +7863,78 @@
       </p:grpSpPr>
       <p:sp>
         <p:nvSpPr>
+          <p:cNvPr id="5" name="Text Placeholder 4"/>
+          <p:cNvSpPr>
+            <a:spLocks noGrp="1"/>
+          </p:cNvSpPr>
+          <p:nvPr>
+            <p:ph type="body" sz="quarter" idx="10"/>
+          </p:nvPr>
+        </p:nvSpPr>
+        <p:spPr/>
+        <p:txBody>
+          <a:bodyPr/>
+          <a:lstStyle/>
+          <a:p>
+            <a:r>
+              <a:rPr lang="en-US" dirty="0" smtClean="0"/>
+              <a:t>Working with files</a:t>
+            </a:r>
+            <a:endParaRPr lang="en-US" dirty="0"/>
+          </a:p>
+        </p:txBody>
+      </p:sp>
+      <p:sp>
+        <p:nvSpPr>
+          <p:cNvPr id="4" name="Subtitle 3"/>
+          <p:cNvSpPr>
+            <a:spLocks noGrp="1"/>
+          </p:cNvSpPr>
+          <p:nvPr>
+            <p:ph type="subTitle" idx="1"/>
+          </p:nvPr>
+        </p:nvSpPr>
+        <p:spPr/>
+        <p:txBody>
+          <a:bodyPr/>
+          <a:lstStyle/>
+          <a:p>
+            <a:endParaRPr lang="en-US"/>
+          </a:p>
+        </p:txBody>
+      </p:sp>
+    </p:spTree>
+    <p:extLst>
+      <p:ext uri="{BB962C8B-B14F-4D97-AF65-F5344CB8AC3E}">
+        <p14:creationId xmlns:p14="http://schemas.microsoft.com/office/powerpoint/2010/main" val="628191294"/>
+      </p:ext>
+    </p:extLst>
+  </p:cSld>
+  <p:clrMapOvr>
+    <a:masterClrMapping/>
+  </p:clrMapOvr>
+</p:sld>
+</file>
+
+<file path=ppt/slides/slide5.xml><?xml version="1.0" encoding="utf-8"?>
+<p:sld xmlns:a="http://schemas.openxmlformats.org/drawingml/2006/main" xmlns:r="http://schemas.openxmlformats.org/officeDocument/2006/relationships" xmlns:p="http://schemas.openxmlformats.org/presentationml/2006/main">
+  <p:cSld>
+    <p:spTree>
+      <p:nvGrpSpPr>
+        <p:cNvPr id="1" name=""/>
+        <p:cNvGrpSpPr/>
+        <p:nvPr/>
+      </p:nvGrpSpPr>
+      <p:grpSpPr>
+        <a:xfrm>
+          <a:off x="0" y="0"/>
+          <a:ext cx="0" cy="0"/>
+          <a:chOff x="0" y="0"/>
+          <a:chExt cx="0" cy="0"/>
+        </a:xfrm>
+      </p:grpSpPr>
+      <p:sp>
+        <p:nvSpPr>
           <p:cNvPr id="2" name="Title 1"/>
           <p:cNvSpPr>
             <a:spLocks noGrp="1"/>
@@ -7389,7 +8007,7 @@
 </p:sld>
 </file>
 
-<file path=ppt/slides/slide5.xml><?xml version="1.0" encoding="utf-8"?>
+<file path=ppt/slides/slide6.xml><?xml version="1.0" encoding="utf-8"?>
 <p:sld xmlns:a="http://schemas.openxmlformats.org/drawingml/2006/main" xmlns:r="http://schemas.openxmlformats.org/officeDocument/2006/relationships" xmlns:p="http://schemas.openxmlformats.org/presentationml/2006/main">
   <p:cSld>
     <p:spTree>
@@ -7848,7 +8466,7 @@
 </p:sld>
 </file>
 
-<file path=ppt/slides/slide6.xml><?xml version="1.0" encoding="utf-8"?>
+<file path=ppt/slides/slide7.xml><?xml version="1.0" encoding="utf-8"?>
 <p:sld xmlns:a="http://schemas.openxmlformats.org/drawingml/2006/main" xmlns:r="http://schemas.openxmlformats.org/officeDocument/2006/relationships" xmlns:p="http://schemas.openxmlformats.org/presentationml/2006/main">
   <p:cSld>
     <p:spTree>
@@ -8229,7 +8847,7 @@
 </p:sld>
 </file>
 
-<file path=ppt/slides/slide7.xml><?xml version="1.0" encoding="utf-8"?>
+<file path=ppt/slides/slide8.xml><?xml version="1.0" encoding="utf-8"?>
 <p:sld xmlns:a="http://schemas.openxmlformats.org/drawingml/2006/main" xmlns:r="http://schemas.openxmlformats.org/officeDocument/2006/relationships" xmlns:p="http://schemas.openxmlformats.org/presentationml/2006/main">
   <p:cSld>
     <p:spTree>
@@ -8484,7 +9102,7 @@
 </p:sld>
 </file>
 
-<file path=ppt/slides/slide8.xml><?xml version="1.0" encoding="utf-8"?>
+<file path=ppt/slides/slide9.xml><?xml version="1.0" encoding="utf-8"?>
 <p:sld xmlns:a="http://schemas.openxmlformats.org/drawingml/2006/main" xmlns:r="http://schemas.openxmlformats.org/officeDocument/2006/relationships" xmlns:p="http://schemas.openxmlformats.org/presentationml/2006/main">
   <p:cSld>
     <p:spTree>
@@ -8940,405 +9558,6 @@
     </p:tnLst>
     <p:bldLst>
       <p:bldP spid="3" grpId="0" build="p"/>
-    </p:bldLst>
-  </p:timing>
-</p:sld>
-</file>
-
-<file path=ppt/slides/slide9.xml><?xml version="1.0" encoding="utf-8"?>
-<p:sld xmlns:a="http://schemas.openxmlformats.org/drawingml/2006/main" xmlns:r="http://schemas.openxmlformats.org/officeDocument/2006/relationships" xmlns:p="http://schemas.openxmlformats.org/presentationml/2006/main">
-  <p:cSld>
-    <p:spTree>
-      <p:nvGrpSpPr>
-        <p:cNvPr id="1" name=""/>
-        <p:cNvGrpSpPr/>
-        <p:nvPr/>
-      </p:nvGrpSpPr>
-      <p:grpSpPr>
-        <a:xfrm>
-          <a:off x="0" y="0"/>
-          <a:ext cx="0" cy="0"/>
-          <a:chOff x="0" y="0"/>
-          <a:chExt cx="0" cy="0"/>
-        </a:xfrm>
-      </p:grpSpPr>
-      <p:sp>
-        <p:nvSpPr>
-          <p:cNvPr id="2" name="Title 1"/>
-          <p:cNvSpPr>
-            <a:spLocks noGrp="1"/>
-          </p:cNvSpPr>
-          <p:nvPr>
-            <p:ph type="title"/>
-          </p:nvPr>
-        </p:nvSpPr>
-        <p:spPr/>
-        <p:txBody>
-          <a:bodyPr>
-            <a:normAutofit/>
-          </a:bodyPr>
-          <a:lstStyle/>
-          <a:p>
-            <a:r>
-              <a:rPr lang="en-CA" sz="3700" dirty="0" smtClean="0">
-                <a:cs typeface="Consolas" panose="020B0609020204030204" pitchFamily="49" charset="0"/>
-              </a:rPr>
-              <a:t>So how does that look when we put it all together?</a:t>
-            </a:r>
-            <a:endParaRPr lang="en-CA" sz="3700" dirty="0"/>
-          </a:p>
-        </p:txBody>
-      </p:sp>
-      <p:sp>
-        <p:nvSpPr>
-          <p:cNvPr id="3" name="Content Placeholder 2"/>
-          <p:cNvSpPr>
-            <a:spLocks noGrp="1"/>
-          </p:cNvSpPr>
-          <p:nvPr>
-            <p:ph sz="quarter" idx="10"/>
-          </p:nvPr>
-        </p:nvSpPr>
-        <p:spPr/>
-        <p:txBody>
-          <a:bodyPr/>
-          <a:lstStyle/>
-          <a:p>
-            <a:pPr marL="0" lvl="0" indent="0" defTabSz="914400" eaLnBrk="0" fontAlgn="base" hangingPunct="0">
-              <a:spcBef>
-                <a:spcPct val="0"/>
-              </a:spcBef>
-              <a:spcAft>
-                <a:spcPct val="0"/>
-              </a:spcAft>
-              <a:buNone/>
-            </a:pPr>
-            <a:r>
-              <a:rPr lang="en-US" altLang="en-US" dirty="0" err="1" smtClean="0">
-                <a:solidFill>
-                  <a:srgbClr val="000000"/>
-                </a:solidFill>
-                <a:latin typeface="Consolas" panose="020B0609020204030204" pitchFamily="49" charset="0"/>
-                <a:cs typeface="Consolas" panose="020B0609020204030204" pitchFamily="49" charset="0"/>
-              </a:rPr>
-              <a:t>fileName</a:t>
-            </a:r>
-            <a:r>
-              <a:rPr lang="en-US" altLang="en-US" dirty="0">
-                <a:solidFill>
-                  <a:srgbClr val="000000"/>
-                </a:solidFill>
-                <a:latin typeface="Consolas" panose="020B0609020204030204" pitchFamily="49" charset="0"/>
-                <a:cs typeface="Consolas" panose="020B0609020204030204" pitchFamily="49" charset="0"/>
-              </a:rPr>
-              <a:t> = </a:t>
-            </a:r>
-            <a:r>
-              <a:rPr lang="en-US" altLang="en-US" dirty="0">
-                <a:solidFill>
-                  <a:srgbClr val="A31515"/>
-                </a:solidFill>
-                <a:latin typeface="Consolas" panose="020B0609020204030204" pitchFamily="49" charset="0"/>
-                <a:cs typeface="Consolas" panose="020B0609020204030204" pitchFamily="49" charset="0"/>
-              </a:rPr>
-              <a:t>"GuestList.txt"</a:t>
-            </a:r>
-            <a:r>
-              <a:rPr lang="en-US" altLang="en-US" dirty="0">
-                <a:solidFill>
-                  <a:srgbClr val="000000"/>
-                </a:solidFill>
-                <a:latin typeface="Consolas" panose="020B0609020204030204" pitchFamily="49" charset="0"/>
-                <a:cs typeface="Consolas" panose="020B0609020204030204" pitchFamily="49" charset="0"/>
-              </a:rPr>
-              <a:t> </a:t>
-            </a:r>
-          </a:p>
-          <a:p>
-            <a:pPr marL="0" lvl="0" indent="0" defTabSz="914400" eaLnBrk="0" fontAlgn="base" hangingPunct="0">
-              <a:spcBef>
-                <a:spcPct val="0"/>
-              </a:spcBef>
-              <a:spcAft>
-                <a:spcPct val="0"/>
-              </a:spcAft>
-              <a:buNone/>
-            </a:pPr>
-            <a:r>
-              <a:rPr lang="en-US" altLang="en-US" dirty="0" err="1">
-                <a:solidFill>
-                  <a:srgbClr val="000000"/>
-                </a:solidFill>
-                <a:latin typeface="Consolas" panose="020B0609020204030204" pitchFamily="49" charset="0"/>
-                <a:cs typeface="Consolas" panose="020B0609020204030204" pitchFamily="49" charset="0"/>
-              </a:rPr>
-              <a:t>accessMode</a:t>
-            </a:r>
-            <a:r>
-              <a:rPr lang="en-US" altLang="en-US" dirty="0">
-                <a:solidFill>
-                  <a:srgbClr val="000000"/>
-                </a:solidFill>
-                <a:latin typeface="Consolas" panose="020B0609020204030204" pitchFamily="49" charset="0"/>
-                <a:cs typeface="Consolas" panose="020B0609020204030204" pitchFamily="49" charset="0"/>
-              </a:rPr>
-              <a:t> = </a:t>
-            </a:r>
-            <a:r>
-              <a:rPr lang="en-US" altLang="en-US" dirty="0">
-                <a:solidFill>
-                  <a:srgbClr val="A31515"/>
-                </a:solidFill>
-                <a:latin typeface="Consolas" panose="020B0609020204030204" pitchFamily="49" charset="0"/>
-                <a:cs typeface="Consolas" panose="020B0609020204030204" pitchFamily="49" charset="0"/>
-              </a:rPr>
-              <a:t>"w"</a:t>
-            </a:r>
-            <a:r>
-              <a:rPr lang="en-US" altLang="en-US" dirty="0">
-                <a:solidFill>
-                  <a:srgbClr val="000000"/>
-                </a:solidFill>
-                <a:latin typeface="Consolas" panose="020B0609020204030204" pitchFamily="49" charset="0"/>
-                <a:cs typeface="Consolas" panose="020B0609020204030204" pitchFamily="49" charset="0"/>
-              </a:rPr>
-              <a:t> </a:t>
-            </a:r>
-          </a:p>
-          <a:p>
-            <a:pPr marL="0" lvl="0" indent="0" defTabSz="914400" eaLnBrk="0" fontAlgn="base" hangingPunct="0">
-              <a:spcBef>
-                <a:spcPct val="0"/>
-              </a:spcBef>
-              <a:spcAft>
-                <a:spcPct val="0"/>
-              </a:spcAft>
-              <a:buNone/>
-            </a:pPr>
-            <a:r>
-              <a:rPr lang="en-US" altLang="en-US" dirty="0" err="1">
-                <a:solidFill>
-                  <a:srgbClr val="000000"/>
-                </a:solidFill>
-                <a:latin typeface="Consolas" panose="020B0609020204030204" pitchFamily="49" charset="0"/>
-                <a:cs typeface="Consolas" panose="020B0609020204030204" pitchFamily="49" charset="0"/>
-              </a:rPr>
-              <a:t>myFile</a:t>
-            </a:r>
-            <a:r>
-              <a:rPr lang="en-US" altLang="en-US" dirty="0">
-                <a:solidFill>
-                  <a:srgbClr val="000000"/>
-                </a:solidFill>
-                <a:latin typeface="Consolas" panose="020B0609020204030204" pitchFamily="49" charset="0"/>
-                <a:cs typeface="Consolas" panose="020B0609020204030204" pitchFamily="49" charset="0"/>
-              </a:rPr>
-              <a:t> = open(</a:t>
-            </a:r>
-            <a:r>
-              <a:rPr lang="en-US" altLang="en-US" dirty="0" err="1">
-                <a:solidFill>
-                  <a:srgbClr val="000000"/>
-                </a:solidFill>
-                <a:latin typeface="Consolas" panose="020B0609020204030204" pitchFamily="49" charset="0"/>
-                <a:cs typeface="Consolas" panose="020B0609020204030204" pitchFamily="49" charset="0"/>
-              </a:rPr>
-              <a:t>fileName</a:t>
-            </a:r>
-            <a:r>
-              <a:rPr lang="en-US" altLang="en-US" dirty="0">
-                <a:solidFill>
-                  <a:srgbClr val="000000"/>
-                </a:solidFill>
-                <a:latin typeface="Consolas" panose="020B0609020204030204" pitchFamily="49" charset="0"/>
-                <a:cs typeface="Consolas" panose="020B0609020204030204" pitchFamily="49" charset="0"/>
-              </a:rPr>
-              <a:t>, </a:t>
-            </a:r>
-            <a:r>
-              <a:rPr lang="en-US" altLang="en-US" dirty="0" err="1">
-                <a:solidFill>
-                  <a:srgbClr val="000000"/>
-                </a:solidFill>
-                <a:latin typeface="Consolas" panose="020B0609020204030204" pitchFamily="49" charset="0"/>
-                <a:cs typeface="Consolas" panose="020B0609020204030204" pitchFamily="49" charset="0"/>
-              </a:rPr>
-              <a:t>accessMode</a:t>
-            </a:r>
-            <a:r>
-              <a:rPr lang="en-US" altLang="en-US" dirty="0">
-                <a:solidFill>
-                  <a:srgbClr val="000000"/>
-                </a:solidFill>
-                <a:latin typeface="Consolas" panose="020B0609020204030204" pitchFamily="49" charset="0"/>
-                <a:cs typeface="Consolas" panose="020B0609020204030204" pitchFamily="49" charset="0"/>
-              </a:rPr>
-              <a:t>)</a:t>
-            </a:r>
-            <a:endParaRPr lang="en-US" altLang="en-US" sz="6600" dirty="0">
-              <a:latin typeface="Arial" panose="020B0604020202020204" pitchFamily="34" charset="0"/>
-            </a:endParaRPr>
-          </a:p>
-          <a:p>
-            <a:pPr marL="0" indent="0">
-              <a:buNone/>
-            </a:pPr>
-            <a:endParaRPr lang="en-CA" dirty="0" smtClean="0"/>
-          </a:p>
-        </p:txBody>
-      </p:sp>
-    </p:spTree>
-    <p:extLst>
-      <p:ext uri="{BB962C8B-B14F-4D97-AF65-F5344CB8AC3E}">
-        <p14:creationId xmlns:p14="http://schemas.microsoft.com/office/powerpoint/2010/main" val="1375660541"/>
-      </p:ext>
-    </p:extLst>
-  </p:cSld>
-  <p:clrMapOvr>
-    <a:masterClrMapping/>
-  </p:clrMapOvr>
-  <p:timing>
-    <p:tnLst>
-      <p:par>
-        <p:cTn id="1" dur="indefinite" restart="never" nodeType="tmRoot">
-          <p:childTnLst>
-            <p:seq concurrent="1" nextAc="seek">
-              <p:cTn id="2" dur="indefinite" nodeType="mainSeq">
-                <p:childTnLst>
-                  <p:par>
-                    <p:cTn id="3" fill="hold">
-                      <p:stCondLst>
-                        <p:cond delay="indefinite"/>
-                      </p:stCondLst>
-                      <p:childTnLst>
-                        <p:par>
-                          <p:cTn id="4" fill="hold">
-                            <p:stCondLst>
-                              <p:cond delay="0"/>
-                            </p:stCondLst>
-                            <p:childTnLst>
-                              <p:par>
-                                <p:cTn id="5" presetID="1" presetClass="entr" presetSubtype="0" fill="hold" grpId="0" nodeType="clickEffect">
-                                  <p:stCondLst>
-                                    <p:cond delay="0"/>
-                                  </p:stCondLst>
-                                  <p:childTnLst>
-                                    <p:set>
-                                      <p:cBhvr>
-                                        <p:cTn id="6" dur="1" fill="hold">
-                                          <p:stCondLst>
-                                            <p:cond delay="0"/>
-                                          </p:stCondLst>
-                                        </p:cTn>
-                                        <p:tgtEl>
-                                          <p:spTgt spid="3">
-                                            <p:txEl>
-                                              <p:pRg st="0" end="0"/>
-                                            </p:txEl>
-                                          </p:spTgt>
-                                        </p:tgtEl>
-                                        <p:attrNameLst>
-                                          <p:attrName>style.visibility</p:attrName>
-                                        </p:attrNameLst>
-                                      </p:cBhvr>
-                                      <p:to>
-                                        <p:strVal val="visible"/>
-                                      </p:to>
-                                    </p:set>
-                                  </p:childTnLst>
-                                </p:cTn>
-                              </p:par>
-                              <p:par>
-                                <p:cTn id="7" presetID="1" presetClass="entr" presetSubtype="0" fill="hold" grpId="0" nodeType="withEffect">
-                                  <p:stCondLst>
-                                    <p:cond delay="0"/>
-                                  </p:stCondLst>
-                                  <p:childTnLst>
-                                    <p:set>
-                                      <p:cBhvr>
-                                        <p:cTn id="8" dur="1" fill="hold">
-                                          <p:stCondLst>
-                                            <p:cond delay="0"/>
-                                          </p:stCondLst>
-                                        </p:cTn>
-                                        <p:tgtEl>
-                                          <p:spTgt spid="3">
-                                            <p:txEl>
-                                              <p:pRg st="1" end="1"/>
-                                            </p:txEl>
-                                          </p:spTgt>
-                                        </p:tgtEl>
-                                        <p:attrNameLst>
-                                          <p:attrName>style.visibility</p:attrName>
-                                        </p:attrNameLst>
-                                      </p:cBhvr>
-                                      <p:to>
-                                        <p:strVal val="visible"/>
-                                      </p:to>
-                                    </p:set>
-                                  </p:childTnLst>
-                                </p:cTn>
-                              </p:par>
-                              <p:par>
-                                <p:cTn id="9" presetID="1" presetClass="entr" presetSubtype="0" fill="hold" grpId="0" nodeType="withEffect">
-                                  <p:stCondLst>
-                                    <p:cond delay="0"/>
-                                  </p:stCondLst>
-                                  <p:childTnLst>
-                                    <p:set>
-                                      <p:cBhvr>
-                                        <p:cTn id="10" dur="1" fill="hold">
-                                          <p:stCondLst>
-                                            <p:cond delay="0"/>
-                                          </p:stCondLst>
-                                        </p:cTn>
-                                        <p:tgtEl>
-                                          <p:spTgt spid="3">
-                                            <p:txEl>
-                                              <p:pRg st="2" end="2"/>
-                                            </p:txEl>
-                                          </p:spTgt>
-                                        </p:tgtEl>
-                                        <p:attrNameLst>
-                                          <p:attrName>style.visibility</p:attrName>
-                                        </p:attrNameLst>
-                                      </p:cBhvr>
-                                      <p:to>
-                                        <p:strVal val="visible"/>
-                                      </p:to>
-                                    </p:set>
-                                  </p:childTnLst>
-                                </p:cTn>
-                              </p:par>
-                            </p:childTnLst>
-                          </p:cTn>
-                        </p:par>
-                      </p:childTnLst>
-                    </p:cTn>
-                  </p:par>
-                </p:childTnLst>
-              </p:cTn>
-              <p:prevCondLst>
-                <p:cond evt="onPrev" delay="0">
-                  <p:tgtEl>
-                    <p:sldTgt/>
-                  </p:tgtEl>
-                </p:cond>
-              </p:prevCondLst>
-              <p:nextCondLst>
-                <p:cond evt="onNext" delay="0">
-                  <p:tgtEl>
-                    <p:sldTgt/>
-                  </p:tgtEl>
-                </p:cond>
-              </p:nextCondLst>
-            </p:seq>
-          </p:childTnLst>
-        </p:cTn>
-      </p:par>
-    </p:tnLst>
-    <p:bldLst>
-      <p:bldP spid="3" grpId="0" uiExpand="1" build="p"/>
     </p:bldLst>
   </p:timing>
 </p:sld>
@@ -9896,6 +10115,12 @@
 </file>
 
 <file path=customXml/item1.xml><?xml version="1.0" encoding="utf-8"?>
+<p:properties xmlns:p="http://schemas.microsoft.com/office/2006/metadata/properties" xmlns:xsi="http://www.w3.org/2001/XMLSchema-instance" xmlns:pc="http://schemas.microsoft.com/office/infopath/2007/PartnerControls">
+  <documentManagement/>
+</p:properties>
+</file>
+
+<file path=customXml/item2.xml><?xml version="1.0" encoding="utf-8"?>
 <ct:contentTypeSchema xmlns:ct="http://schemas.microsoft.com/office/2006/metadata/contentType" xmlns:ma="http://schemas.microsoft.com/office/2006/metadata/properties/metaAttributes" ct:_="" ma:_="" ma:contentTypeName="Document" ma:contentTypeID="0x0101003199A55D44437645BA88C35459AE25EC" ma:contentTypeVersion="0" ma:contentTypeDescription="Create a new document." ma:contentTypeScope="" ma:versionID="d5c36b261ec0c04e0b9356eb80e89d74">
   <xsd:schema xmlns:xsd="http://www.w3.org/2001/XMLSchema" xmlns:xs="http://www.w3.org/2001/XMLSchema" xmlns:p="http://schemas.microsoft.com/office/2006/metadata/properties" targetNamespace="http://schemas.microsoft.com/office/2006/metadata/properties" ma:root="true" ma:fieldsID="0c194e022d6be3c546241b54ccb98851">
     <xsd:element name="properties">
@@ -10009,12 +10234,6 @@
 </ct:contentTypeSchema>
 </file>
 
-<file path=customXml/item2.xml><?xml version="1.0" encoding="utf-8"?>
-<p:properties xmlns:p="http://schemas.microsoft.com/office/2006/metadata/properties" xmlns:xsi="http://www.w3.org/2001/XMLSchema-instance" xmlns:pc="http://schemas.microsoft.com/office/infopath/2007/PartnerControls">
-  <documentManagement/>
-</p:properties>
-</file>
-
 <file path=customXml/item3.xml><?xml version="1.0" encoding="utf-8"?>
 <?mso-contentType ?>
 <FormTemplates xmlns="http://schemas.microsoft.com/sharepoint/v3/contenttype/forms">
@@ -10025,6 +10244,21 @@
 </file>
 
 <file path=customXml/itemProps1.xml><?xml version="1.0" encoding="utf-8"?>
+<ds:datastoreItem xmlns:ds="http://schemas.openxmlformats.org/officeDocument/2006/customXml" ds:itemID="{7EC7E466-D5A1-4C29-8BF5-9E0E100C3687}">
+  <ds:schemaRefs>
+    <ds:schemaRef ds:uri="http://purl.org/dc/dcmitype/"/>
+    <ds:schemaRef ds:uri="http://schemas.microsoft.com/office/infopath/2007/PartnerControls"/>
+    <ds:schemaRef ds:uri="http://purl.org/dc/elements/1.1/"/>
+    <ds:schemaRef ds:uri="http://schemas.microsoft.com/office/2006/metadata/properties"/>
+    <ds:schemaRef ds:uri="http://purl.org/dc/terms/"/>
+    <ds:schemaRef ds:uri="http://schemas.microsoft.com/office/2006/documentManagement/types"/>
+    <ds:schemaRef ds:uri="http://schemas.openxmlformats.org/package/2006/metadata/core-properties"/>
+    <ds:schemaRef ds:uri="http://www.w3.org/XML/1998/namespace"/>
+  </ds:schemaRefs>
+</ds:datastoreItem>
+</file>
+
+<file path=customXml/itemProps2.xml><?xml version="1.0" encoding="utf-8"?>
 <ds:datastoreItem xmlns:ds="http://schemas.openxmlformats.org/officeDocument/2006/customXml" ds:itemID="{DC48CAF3-B134-40A1-84A0-ED8FCFEA99BA}">
   <ds:schemaRefs>
     <ds:schemaRef ds:uri="http://schemas.microsoft.com/office/2006/metadata/contentType"/>
@@ -10040,21 +10274,6 @@
 </ds:datastoreItem>
 </file>
 
-<file path=customXml/itemProps2.xml><?xml version="1.0" encoding="utf-8"?>
-<ds:datastoreItem xmlns:ds="http://schemas.openxmlformats.org/officeDocument/2006/customXml" ds:itemID="{7EC7E466-D5A1-4C29-8BF5-9E0E100C3687}">
-  <ds:schemaRefs>
-    <ds:schemaRef ds:uri="http://purl.org/dc/dcmitype/"/>
-    <ds:schemaRef ds:uri="http://schemas.microsoft.com/office/infopath/2007/PartnerControls"/>
-    <ds:schemaRef ds:uri="http://purl.org/dc/elements/1.1/"/>
-    <ds:schemaRef ds:uri="http://schemas.microsoft.com/office/2006/metadata/properties"/>
-    <ds:schemaRef ds:uri="http://purl.org/dc/terms/"/>
-    <ds:schemaRef ds:uri="http://schemas.microsoft.com/office/2006/documentManagement/types"/>
-    <ds:schemaRef ds:uri="http://schemas.openxmlformats.org/package/2006/metadata/core-properties"/>
-    <ds:schemaRef ds:uri="http://www.w3.org/XML/1998/namespace"/>
-  </ds:schemaRefs>
-</ds:datastoreItem>
-</file>
-
 <file path=customXml/itemProps3.xml><?xml version="1.0" encoding="utf-8"?>
 <ds:datastoreItem xmlns:ds="http://schemas.openxmlformats.org/officeDocument/2006/customXml" ds:itemID="{45527F45-D875-4AC4-AB17-BC55C8C640D4}">
   <ds:schemaRefs>
